--- a/slides/第4讲.pptx
+++ b/slides/第4讲.pptx
@@ -1725,7 +1725,7 @@
           <a:p>
             <a:fld id="{59493D29-A96E-4F02-A4FF-00609BBA5A4F}" type="datetimeFigureOut">
               <a:rPr lang="zh-CN" altLang="en-US" smtClean="0"/>
-              <a:t>2019/9/13</a:t>
+              <a:t>2020/9/16</a:t>
             </a:fld>
             <a:endParaRPr lang="zh-CN" altLang="en-US"/>
           </a:p>
@@ -2163,7 +2163,7 @@
           <a:p>
             <a:r>
               <a:rPr lang="en-US" altLang="zh-CN" dirty="0" smtClean="0"/>
-              <a:t>2019</a:t>
+              <a:t>2020</a:t>
             </a:r>
             <a:r>
               <a:rPr lang="zh-CN" altLang="en-US" dirty="0" smtClean="0"/>
@@ -2179,7 +2179,7 @@
             </a:r>
             <a:r>
               <a:rPr lang="en-US" altLang="zh-CN" smtClean="0"/>
-              <a:t>26</a:t>
+              <a:t>24</a:t>
             </a:r>
             <a:r>
               <a:rPr lang="zh-CN" altLang="en-US" smtClean="0"/>
